--- a/docs/EGDAT presentation [Autosaved].pptx
+++ b/docs/EGDAT presentation [Autosaved].pptx
@@ -206,7 +206,7 @@
           <a:p>
             <a:fld id="{A4C2A385-3C84-1242-8A7C-418FD3C8D28C}" type="datetimeFigureOut">
               <a:rPr lang="en-US" smtClean="0"/>
-              <a:t>6/29/17</a:t>
+              <a:t>7/3/17</a:t>
             </a:fld>
             <a:endParaRPr lang="en-US"/>
           </a:p>
@@ -754,7 +754,7 @@
           <a:p>
             <a:fld id="{ECD19FB2-3AAB-4D03-B13A-2960828C78E3}" type="datetimeFigureOut">
               <a:rPr lang="en-US" dirty="0"/>
-              <a:t>6/29/17</a:t>
+              <a:t>7/3/17</a:t>
             </a:fld>
             <a:endParaRPr lang="en-US" dirty="0"/>
           </a:p>
@@ -1031,7 +1031,7 @@
           <a:p>
             <a:fld id="{1B80C674-7DFC-42FE-B9CD-82963CDB1557}" type="datetimeFigureOut">
               <a:rPr lang="en-US" dirty="0"/>
-              <a:t>6/29/17</a:t>
+              <a:t>7/3/17</a:t>
             </a:fld>
             <a:endParaRPr lang="en-US" dirty="0"/>
           </a:p>
@@ -1218,7 +1218,7 @@
           <a:p>
             <a:fld id="{2076456F-F47D-4F25-8053-2A695DA0CA7D}" type="datetimeFigureOut">
               <a:rPr lang="en-US" dirty="0"/>
-              <a:t>6/29/17</a:t>
+              <a:t>7/3/17</a:t>
             </a:fld>
             <a:endParaRPr lang="en-US" dirty="0"/>
           </a:p>
@@ -1474,7 +1474,7 @@
           <a:p>
             <a:fld id="{5D6C7379-69CC-4837-9905-BEBA22830C8A}" type="datetimeFigureOut">
               <a:rPr lang="en-US" dirty="0"/>
-              <a:t>6/29/17</a:t>
+              <a:t>7/3/17</a:t>
             </a:fld>
             <a:endParaRPr lang="en-US" dirty="0"/>
           </a:p>
@@ -1895,7 +1895,7 @@
           <a:p>
             <a:fld id="{49EB8B7E-8AEE-4F10-BFEE-C999AD004D36}" type="datetimeFigureOut">
               <a:rPr lang="en-US" dirty="0"/>
-              <a:t>6/29/17</a:t>
+              <a:t>7/3/17</a:t>
             </a:fld>
             <a:endParaRPr lang="en-US" dirty="0"/>
           </a:p>
@@ -2436,7 +2436,7 @@
           <a:p>
             <a:fld id="{8668F3F9-58BC-440B-B37B-805B9055EF92}" type="datetimeFigureOut">
               <a:rPr lang="en-US" dirty="0"/>
-              <a:t>6/29/17</a:t>
+              <a:t>7/3/17</a:t>
             </a:fld>
             <a:endParaRPr lang="en-US" dirty="0"/>
           </a:p>
@@ -3262,7 +3262,7 @@
           <a:p>
             <a:fld id="{0D5A53AF-48EA-489D-8260-9DCAB666386A}" type="datetimeFigureOut">
               <a:rPr lang="en-US" dirty="0"/>
-              <a:t>6/29/17</a:t>
+              <a:t>7/3/17</a:t>
             </a:fld>
             <a:endParaRPr lang="en-US" dirty="0"/>
           </a:p>
@@ -3427,7 +3427,7 @@
           <a:p>
             <a:fld id="{0DED02AE-B9A4-47BD-AF8E-97E16144138B}" type="datetimeFigureOut">
               <a:rPr lang="en-US" dirty="0"/>
-              <a:t>6/29/17</a:t>
+              <a:t>7/3/17</a:t>
             </a:fld>
             <a:endParaRPr lang="en-US" dirty="0"/>
           </a:p>
@@ -3602,7 +3602,7 @@
           <a:p>
             <a:fld id="{CF0FD78B-DB02-4362-BCDC-98A55456977C}" type="datetimeFigureOut">
               <a:rPr lang="en-US" dirty="0"/>
-              <a:t>6/29/17</a:t>
+              <a:t>7/3/17</a:t>
             </a:fld>
             <a:endParaRPr lang="en-US" dirty="0"/>
           </a:p>
@@ -3767,7 +3767,7 @@
           <a:p>
             <a:fld id="{99916976-5D93-46E4-A98A-FAD63E4D0EA8}" type="datetimeFigureOut">
               <a:rPr lang="en-US" dirty="0"/>
-              <a:t>6/29/17</a:t>
+              <a:t>7/3/17</a:t>
             </a:fld>
             <a:endParaRPr lang="en-US" dirty="0"/>
           </a:p>
@@ -4019,7 +4019,7 @@
           <a:p>
             <a:fld id="{0F39F4F5-F4D2-4D2A-AB60-88D37ADCB869}" type="datetimeFigureOut">
               <a:rPr lang="en-US" dirty="0"/>
-              <a:t>6/29/17</a:t>
+              <a:t>7/3/17</a:t>
             </a:fld>
             <a:endParaRPr lang="en-US" dirty="0"/>
           </a:p>
@@ -4246,7 +4246,7 @@
           <a:p>
             <a:fld id="{D23BC6CE-6D1E-47E5-8859-F31AC5380EB2}" type="datetimeFigureOut">
               <a:rPr lang="en-US" dirty="0"/>
-              <a:t>6/29/17</a:t>
+              <a:t>7/3/17</a:t>
             </a:fld>
             <a:endParaRPr lang="en-US" dirty="0"/>
           </a:p>
@@ -4634,7 +4634,7 @@
           <a:p>
             <a:fld id="{B1B4E7C4-4DA4-404D-9965-B13F2DD7D8BF}" type="datetimeFigureOut">
               <a:rPr lang="en-US" dirty="0"/>
-              <a:t>6/29/17</a:t>
+              <a:t>7/3/17</a:t>
             </a:fld>
             <a:endParaRPr lang="en-US" dirty="0"/>
           </a:p>
@@ -4747,7 +4747,7 @@
           <a:p>
             <a:fld id="{476FB7AA-4A53-424F-AD41-70827B6504BA}" type="datetimeFigureOut">
               <a:rPr lang="en-US" dirty="0"/>
-              <a:t>6/29/17</a:t>
+              <a:t>7/3/17</a:t>
             </a:fld>
             <a:endParaRPr lang="en-US" dirty="0"/>
           </a:p>
@@ -4837,7 +4837,7 @@
           <a:p>
             <a:fld id="{E7884882-FB12-4BC8-9960-9AD8104D7FAE}" type="datetimeFigureOut">
               <a:rPr lang="en-US" dirty="0"/>
-              <a:t>6/29/17</a:t>
+              <a:t>7/3/17</a:t>
             </a:fld>
             <a:endParaRPr lang="en-US" dirty="0"/>
           </a:p>
@@ -5105,7 +5105,7 @@
           <a:p>
             <a:fld id="{F7D1BD23-6E54-4D9D-AD88-A2813C73CC25}" type="datetimeFigureOut">
               <a:rPr lang="en-US" dirty="0"/>
-              <a:t>6/29/17</a:t>
+              <a:t>7/3/17</a:t>
             </a:fld>
             <a:endParaRPr lang="en-US" dirty="0"/>
           </a:p>
@@ -5381,7 +5381,7 @@
           <a:p>
             <a:fld id="{1471A834-4F3C-4AF9-9C74-05EC35A0F292}" type="datetimeFigureOut">
               <a:rPr lang="en-US" dirty="0"/>
-              <a:t>6/29/17</a:t>
+              <a:t>7/3/17</a:t>
             </a:fld>
             <a:endParaRPr lang="en-US" dirty="0"/>
           </a:p>
@@ -5616,7 +5616,7 @@
           <a:p>
             <a:fld id="{51CF1133-3259-4C45-BABA-5B62D9C6F78D}" type="datetimeFigureOut">
               <a:rPr lang="en-US" dirty="0"/>
-              <a:t>6/29/17</a:t>
+              <a:t>7/3/17</a:t>
             </a:fld>
             <a:endParaRPr lang="en-US" dirty="0"/>
           </a:p>
@@ -7960,15 +7960,7 @@
                   <a:schemeClr val="accent3"/>
                 </a:solidFill>
               </a:rPr>
-              <a:t>Data, data2 </a:t>
-            </a:r>
-            <a:r>
-              <a:rPr lang="en-US" sz="600" dirty="0" smtClean="0">
-                <a:solidFill>
-                  <a:schemeClr val="accent3"/>
-                </a:solidFill>
-              </a:rPr>
-              <a:t>output</a:t>
+              <a:t>Data, data2 output</a:t>
             </a:r>
           </a:p>
           <a:p>
@@ -9780,11 +9772,6 @@
               </a:rPr>
               <a:t>()</a:t>
             </a:r>
-            <a:endParaRPr lang="en-US" sz="800" dirty="0">
-              <a:solidFill>
-                <a:schemeClr val="bg1"/>
-              </a:solidFill>
-            </a:endParaRPr>
           </a:p>
         </p:txBody>
       </p:sp>

--- a/docs/EGDAT presentation [Autosaved].pptx
+++ b/docs/EGDAT presentation [Autosaved].pptx
@@ -5,7 +5,7 @@
     <p:sldMasterId id="2147483648" r:id="rId1"/>
   </p:sldMasterIdLst>
   <p:notesMasterIdLst>
-    <p:notesMasterId r:id="rId12"/>
+    <p:notesMasterId r:id="rId13"/>
   </p:notesMasterIdLst>
   <p:sldIdLst>
     <p:sldId id="256" r:id="rId2"/>
@@ -18,6 +18,7 @@
     <p:sldId id="258" r:id="rId9"/>
     <p:sldId id="268" r:id="rId10"/>
     <p:sldId id="261" r:id="rId11"/>
+    <p:sldId id="277" r:id="rId12"/>
   </p:sldIdLst>
   <p:sldSz cx="12192000" cy="6858000"/>
   <p:notesSz cx="6858000" cy="9144000"/>
@@ -6364,6 +6365,400 @@
       </p:par>
     </p:tnLst>
   </p:timing>
+</p:sld>
+</file>
+
+<file path=ppt/slides/slide11.xml><?xml version="1.0" encoding="utf-8"?>
+<p:sld xmlns:a="http://schemas.openxmlformats.org/drawingml/2006/main" xmlns:r="http://schemas.openxmlformats.org/officeDocument/2006/relationships" xmlns:p="http://schemas.openxmlformats.org/presentationml/2006/main">
+  <p:cSld>
+    <p:spTree>
+      <p:nvGrpSpPr>
+        <p:cNvPr id="1" name=""/>
+        <p:cNvGrpSpPr/>
+        <p:nvPr/>
+      </p:nvGrpSpPr>
+      <p:grpSpPr>
+        <a:xfrm>
+          <a:off x="0" y="0"/>
+          <a:ext cx="0" cy="0"/>
+          <a:chOff x="0" y="0"/>
+          <a:chExt cx="0" cy="0"/>
+        </a:xfrm>
+      </p:grpSpPr>
+      <p:sp>
+        <p:nvSpPr>
+          <p:cNvPr id="2" name="Title 1"/>
+          <p:cNvSpPr>
+            <a:spLocks noGrp="1"/>
+          </p:cNvSpPr>
+          <p:nvPr>
+            <p:ph type="title"/>
+          </p:nvPr>
+        </p:nvSpPr>
+        <p:spPr/>
+        <p:txBody>
+          <a:bodyPr/>
+          <a:lstStyle/>
+          <a:p>
+            <a:r>
+              <a:rPr lang="en-US" dirty="0" smtClean="0"/>
+              <a:t>Difficulties</a:t>
+            </a:r>
+            <a:endParaRPr lang="en-US" dirty="0"/>
+          </a:p>
+        </p:txBody>
+      </p:sp>
+      <p:pic>
+        <p:nvPicPr>
+          <p:cNvPr id="4" name="Content Placeholder 3"/>
+          <p:cNvPicPr>
+            <a:picLocks noGrp="1" noChangeAspect="1"/>
+          </p:cNvPicPr>
+          <p:nvPr>
+            <p:ph idx="1"/>
+          </p:nvPr>
+        </p:nvPicPr>
+        <p:blipFill>
+          <a:blip r:embed="rId2">
+            <a:extLst>
+              <a:ext uri="{28A0092B-C50C-407E-A947-70E740481C1C}">
+                <a14:useLocalDpi xmlns:a14="http://schemas.microsoft.com/office/drawing/2010/main" val="0"/>
+              </a:ext>
+            </a:extLst>
+          </a:blip>
+          <a:stretch>
+            <a:fillRect/>
+          </a:stretch>
+        </p:blipFill>
+        <p:spPr>
+          <a:xfrm>
+            <a:off x="6996824" y="2147090"/>
+            <a:ext cx="2092810" cy="628490"/>
+          </a:xfrm>
+        </p:spPr>
+      </p:pic>
+      <p:pic>
+        <p:nvPicPr>
+          <p:cNvPr id="5" name="Picture 4"/>
+          <p:cNvPicPr>
+            <a:picLocks noChangeAspect="1"/>
+          </p:cNvPicPr>
+          <p:nvPr/>
+        </p:nvPicPr>
+        <p:blipFill>
+          <a:blip r:embed="rId3">
+            <a:extLst>
+              <a:ext uri="{28A0092B-C50C-407E-A947-70E740481C1C}">
+                <a14:useLocalDpi xmlns:a14="http://schemas.microsoft.com/office/drawing/2010/main" val="0"/>
+              </a:ext>
+            </a:extLst>
+          </a:blip>
+          <a:stretch>
+            <a:fillRect/>
+          </a:stretch>
+        </p:blipFill>
+        <p:spPr>
+          <a:xfrm>
+            <a:off x="3045051" y="2113273"/>
+            <a:ext cx="1854459" cy="662307"/>
+          </a:xfrm>
+          <a:prstGeom prst="rect">
+            <a:avLst/>
+          </a:prstGeom>
+        </p:spPr>
+      </p:pic>
+      <p:sp>
+        <p:nvSpPr>
+          <p:cNvPr id="8" name="Right Arrow 7"/>
+          <p:cNvSpPr/>
+          <p:nvPr/>
+        </p:nvSpPr>
+        <p:spPr>
+          <a:xfrm>
+            <a:off x="5257702" y="2339194"/>
+            <a:ext cx="1380930" cy="244281"/>
+          </a:xfrm>
+          <a:prstGeom prst="rightArrow">
+            <a:avLst/>
+          </a:prstGeom>
+        </p:spPr>
+        <p:style>
+          <a:lnRef idx="2">
+            <a:schemeClr val="accent1">
+              <a:shade val="50000"/>
+            </a:schemeClr>
+          </a:lnRef>
+          <a:fillRef idx="1">
+            <a:schemeClr val="accent1"/>
+          </a:fillRef>
+          <a:effectRef idx="0">
+            <a:schemeClr val="accent1"/>
+          </a:effectRef>
+          <a:fontRef idx="minor">
+            <a:schemeClr val="lt1"/>
+          </a:fontRef>
+        </p:style>
+        <p:txBody>
+          <a:bodyPr rtlCol="0" anchor="ctr"/>
+          <a:lstStyle/>
+          <a:p>
+            <a:pPr algn="ctr"/>
+            <a:endParaRPr lang="en-US"/>
+          </a:p>
+        </p:txBody>
+      </p:sp>
+      <p:pic>
+        <p:nvPicPr>
+          <p:cNvPr id="9" name="Picture 8"/>
+          <p:cNvPicPr>
+            <a:picLocks noChangeAspect="1"/>
+          </p:cNvPicPr>
+          <p:nvPr/>
+        </p:nvPicPr>
+        <p:blipFill>
+          <a:blip r:embed="rId4">
+            <a:extLst>
+              <a:ext uri="{28A0092B-C50C-407E-A947-70E740481C1C}">
+                <a14:useLocalDpi xmlns:a14="http://schemas.microsoft.com/office/drawing/2010/main" val="0"/>
+              </a:ext>
+            </a:extLst>
+          </a:blip>
+          <a:stretch>
+            <a:fillRect/>
+          </a:stretch>
+        </p:blipFill>
+        <p:spPr>
+          <a:xfrm>
+            <a:off x="4168871" y="3255738"/>
+            <a:ext cx="927100" cy="393700"/>
+          </a:xfrm>
+          <a:prstGeom prst="rect">
+            <a:avLst/>
+          </a:prstGeom>
+        </p:spPr>
+      </p:pic>
+      <p:pic>
+        <p:nvPicPr>
+          <p:cNvPr id="10" name="Picture 9"/>
+          <p:cNvPicPr>
+            <a:picLocks noChangeAspect="1"/>
+          </p:cNvPicPr>
+          <p:nvPr/>
+        </p:nvPicPr>
+        <p:blipFill>
+          <a:blip r:embed="rId5">
+            <a:extLst>
+              <a:ext uri="{28A0092B-C50C-407E-A947-70E740481C1C}">
+                <a14:useLocalDpi xmlns:a14="http://schemas.microsoft.com/office/drawing/2010/main" val="0"/>
+              </a:ext>
+            </a:extLst>
+          </a:blip>
+          <a:stretch>
+            <a:fillRect/>
+          </a:stretch>
+        </p:blipFill>
+        <p:spPr>
+          <a:xfrm>
+            <a:off x="2908461" y="3274143"/>
+            <a:ext cx="825500" cy="393700"/>
+          </a:xfrm>
+          <a:prstGeom prst="rect">
+            <a:avLst/>
+          </a:prstGeom>
+        </p:spPr>
+      </p:pic>
+      <p:pic>
+        <p:nvPicPr>
+          <p:cNvPr id="11" name="Picture 10"/>
+          <p:cNvPicPr>
+            <a:picLocks noChangeAspect="1"/>
+          </p:cNvPicPr>
+          <p:nvPr/>
+        </p:nvPicPr>
+        <p:blipFill>
+          <a:blip r:embed="rId6">
+            <a:extLst>
+              <a:ext uri="{28A0092B-C50C-407E-A947-70E740481C1C}">
+                <a14:useLocalDpi xmlns:a14="http://schemas.microsoft.com/office/drawing/2010/main" val="0"/>
+              </a:ext>
+            </a:extLst>
+          </a:blip>
+          <a:stretch>
+            <a:fillRect/>
+          </a:stretch>
+        </p:blipFill>
+        <p:spPr>
+          <a:xfrm>
+            <a:off x="5530881" y="3271598"/>
+            <a:ext cx="1107751" cy="398790"/>
+          </a:xfrm>
+          <a:prstGeom prst="rect">
+            <a:avLst/>
+          </a:prstGeom>
+        </p:spPr>
+      </p:pic>
+      <p:sp>
+        <p:nvSpPr>
+          <p:cNvPr id="12" name="TextBox 11"/>
+          <p:cNvSpPr txBox="1"/>
+          <p:nvPr/>
+        </p:nvSpPr>
+        <p:spPr>
+          <a:xfrm>
+            <a:off x="462239" y="1978088"/>
+            <a:ext cx="2354586" cy="3416320"/>
+          </a:xfrm>
+          <a:prstGeom prst="rect">
+            <a:avLst/>
+          </a:prstGeom>
+          <a:noFill/>
+        </p:spPr>
+        <p:txBody>
+          <a:bodyPr wrap="square" rtlCol="0">
+            <a:spAutoFit/>
+          </a:bodyPr>
+          <a:lstStyle/>
+          <a:p>
+            <a:pPr marL="285750" indent="-285750">
+              <a:buFontTx/>
+              <a:buChar char="-"/>
+            </a:pPr>
+            <a:r>
+              <a:rPr lang="en-US" dirty="0" smtClean="0"/>
+              <a:t>Hover labels</a:t>
+            </a:r>
+          </a:p>
+          <a:p>
+            <a:pPr marL="285750" indent="-285750">
+              <a:buFontTx/>
+              <a:buChar char="-"/>
+            </a:pPr>
+            <a:endParaRPr lang="en-US" dirty="0"/>
+          </a:p>
+          <a:p>
+            <a:pPr marL="285750" indent="-285750">
+              <a:buFontTx/>
+              <a:buChar char="-"/>
+            </a:pPr>
+            <a:endParaRPr lang="en-US" dirty="0" smtClean="0"/>
+          </a:p>
+          <a:p>
+            <a:pPr marL="285750" indent="-285750">
+              <a:buFontTx/>
+              <a:buChar char="-"/>
+            </a:pPr>
+            <a:endParaRPr lang="en-US" dirty="0" smtClean="0"/>
+          </a:p>
+          <a:p>
+            <a:pPr marL="285750" indent="-285750">
+              <a:buFontTx/>
+              <a:buChar char="-"/>
+            </a:pPr>
+            <a:endParaRPr lang="en-US" dirty="0" smtClean="0"/>
+          </a:p>
+          <a:p>
+            <a:pPr marL="285750" indent="-285750">
+              <a:buFontTx/>
+              <a:buChar char="-"/>
+            </a:pPr>
+            <a:r>
+              <a:rPr lang="en-US" dirty="0" smtClean="0"/>
+              <a:t>Lots of buttons/ </a:t>
+            </a:r>
+            <a:r>
+              <a:rPr lang="en-US" dirty="0" err="1" smtClean="0"/>
+              <a:t>ui</a:t>
+            </a:r>
+            <a:endParaRPr lang="en-US" dirty="0" smtClean="0"/>
+          </a:p>
+          <a:p>
+            <a:pPr marL="285750" indent="-285750">
+              <a:buFontTx/>
+              <a:buChar char="-"/>
+            </a:pPr>
+            <a:endParaRPr lang="en-US" dirty="0"/>
+          </a:p>
+          <a:p>
+            <a:pPr marL="285750" indent="-285750">
+              <a:buFontTx/>
+              <a:buChar char="-"/>
+            </a:pPr>
+            <a:endParaRPr lang="en-US" dirty="0"/>
+          </a:p>
+          <a:p>
+            <a:pPr marL="285750" indent="-285750">
+              <a:buFontTx/>
+              <a:buChar char="-"/>
+            </a:pPr>
+            <a:endParaRPr lang="en-US" dirty="0" smtClean="0"/>
+          </a:p>
+          <a:p>
+            <a:pPr marL="285750" indent="-285750">
+              <a:buFontTx/>
+              <a:buChar char="-"/>
+            </a:pPr>
+            <a:endParaRPr lang="en-US" dirty="0"/>
+          </a:p>
+          <a:p>
+            <a:pPr marL="285750" indent="-285750">
+              <a:buFontTx/>
+              <a:buChar char="-"/>
+            </a:pPr>
+            <a:r>
+              <a:rPr lang="en-US" dirty="0" smtClean="0"/>
+              <a:t>Progress bar</a:t>
+            </a:r>
+            <a:endParaRPr lang="en-US" dirty="0"/>
+          </a:p>
+          <a:p>
+            <a:pPr marL="285750" indent="-285750">
+              <a:buFontTx/>
+              <a:buChar char="-"/>
+            </a:pPr>
+            <a:endParaRPr lang="en-US" dirty="0"/>
+          </a:p>
+        </p:txBody>
+      </p:sp>
+      <p:pic>
+        <p:nvPicPr>
+          <p:cNvPr id="13" name="Picture 12"/>
+          <p:cNvPicPr>
+            <a:picLocks noChangeAspect="1"/>
+          </p:cNvPicPr>
+          <p:nvPr/>
+        </p:nvPicPr>
+        <p:blipFill>
+          <a:blip r:embed="rId7">
+            <a:extLst>
+              <a:ext uri="{28A0092B-C50C-407E-A947-70E740481C1C}">
+                <a14:useLocalDpi xmlns:a14="http://schemas.microsoft.com/office/drawing/2010/main" val="0"/>
+              </a:ext>
+            </a:extLst>
+          </a:blip>
+          <a:stretch>
+            <a:fillRect/>
+          </a:stretch>
+        </p:blipFill>
+        <p:spPr>
+          <a:xfrm>
+            <a:off x="2704865" y="4655508"/>
+            <a:ext cx="1597509" cy="467957"/>
+          </a:xfrm>
+          <a:prstGeom prst="rect">
+            <a:avLst/>
+          </a:prstGeom>
+        </p:spPr>
+      </p:pic>
+    </p:spTree>
+    <p:extLst>
+      <p:ext uri="{BB962C8B-B14F-4D97-AF65-F5344CB8AC3E}">
+        <p14:creationId xmlns:p14="http://schemas.microsoft.com/office/powerpoint/2010/main" val="1148339624"/>
+      </p:ext>
+    </p:extLst>
+  </p:cSld>
+  <p:clrMapOvr>
+    <a:masterClrMapping/>
+  </p:clrMapOvr>
 </p:sld>
 </file>
 
